--- a/MarketingProposal.pptx
+++ b/MarketingProposal.pptx
@@ -6508,6 +6508,22 @@
                   <a:srgbClr val="34955A"/>
                 </a:solidFill>
               </a:rPr>
+              <a:t>Smith   </a:t>
+            </a:r>
+            <a:r>
+              <a:rPr lang="en-US" sz="2400" b="1" dirty="0">
+                <a:solidFill>
+                  <a:srgbClr val="FFB90C"/>
+                </a:solidFill>
+              </a:rPr>
+              <a:t>Johnson  </a:t>
+            </a:r>
+            <a:r>
+              <a:rPr lang="en-US" sz="2400" b="1" dirty="0">
+                <a:solidFill>
+                  <a:srgbClr val="EA452B"/>
+                </a:solidFill>
+              </a:rPr>
               <a:t>Davis   </a:t>
             </a:r>
             <a:r>
@@ -6516,23 +6532,7 @@
                   <a:srgbClr val="FFB90C"/>
                 </a:solidFill>
               </a:rPr>
-              <a:t>Foster   </a:t>
-            </a:r>
-            <a:r>
-              <a:rPr lang="en-US" sz="2400" b="1" dirty="0">
-                <a:solidFill>
-                  <a:srgbClr val="EA452B"/>
-                </a:solidFill>
-              </a:rPr>
-              <a:t>Harris   </a:t>
-            </a:r>
-            <a:r>
-              <a:rPr lang="en-US" sz="2400" b="1" dirty="0">
-                <a:solidFill>
-                  <a:srgbClr val="FFB90C"/>
-                </a:solidFill>
-              </a:rPr>
-              <a:t>Johnson</a:t>
+              <a:t>Williams</a:t>
             </a:r>
             <a:r>
               <a:rPr lang="en-US" sz="2400" b="1" dirty="0">
